--- a/lesson1/intro.pptx
+++ b/lesson1/intro.pptx
@@ -5,7 +5,7 @@
     <p:sldMasterId id="2147483648" r:id="rId1"/>
   </p:sldMasterIdLst>
   <p:notesMasterIdLst>
-    <p:notesMasterId r:id="rId9"/>
+    <p:notesMasterId r:id="rId10"/>
   </p:notesMasterIdLst>
   <p:sldIdLst>
     <p:sldId id="256" r:id="rId2"/>
@@ -15,6 +15,7 @@
     <p:sldId id="262" r:id="rId6"/>
     <p:sldId id="258" r:id="rId7"/>
     <p:sldId id="259" r:id="rId8"/>
+    <p:sldId id="263" r:id="rId9"/>
   </p:sldIdLst>
   <p:sldSz cx="9144000" cy="6858000" type="screen4x3"/>
   <p:notesSz cx="6858000" cy="9144000"/>
@@ -198,7 +199,8 @@
           <a:p>
             <a:fld id="{FB2BD5B1-F9E8-44FA-A2F4-89C5F96EA76D}" type="datetimeFigureOut">
               <a:rPr lang="zh-CN" altLang="en-US" smtClean="0"/>
-              <a:t>2015/4/20</a:t>
+              <a:pPr/>
+              <a:t>2015/4/24</a:t>
             </a:fld>
             <a:endParaRPr lang="zh-CN" altLang="en-US"/>
           </a:p>
@@ -359,6 +361,7 @@
           <a:p>
             <a:fld id="{28FA51B5-AE45-4272-B99F-96F792C10617}" type="slidenum">
               <a:rPr lang="zh-CN" altLang="en-US" smtClean="0"/>
+              <a:pPr/>
               <a:t>‹#›</a:t>
             </a:fld>
             <a:endParaRPr lang="zh-CN" altLang="en-US"/>
@@ -727,7 +730,7 @@
             <a:fld id="{530820CF-B880-4189-942D-D702A7CBA730}" type="datetimeFigureOut">
               <a:rPr lang="zh-CN" altLang="en-US" smtClean="0"/>
               <a:pPr/>
-              <a:t>2015/4/20</a:t>
+              <a:t>2015/4/24</a:t>
             </a:fld>
             <a:endParaRPr lang="zh-CN" altLang="en-US"/>
           </a:p>
@@ -894,7 +897,7 @@
             <a:fld id="{530820CF-B880-4189-942D-D702A7CBA730}" type="datetimeFigureOut">
               <a:rPr lang="zh-CN" altLang="en-US" smtClean="0"/>
               <a:pPr/>
-              <a:t>2015/4/20</a:t>
+              <a:t>2015/4/24</a:t>
             </a:fld>
             <a:endParaRPr lang="zh-CN" altLang="en-US"/>
           </a:p>
@@ -1071,7 +1074,7 @@
             <a:fld id="{530820CF-B880-4189-942D-D702A7CBA730}" type="datetimeFigureOut">
               <a:rPr lang="zh-CN" altLang="en-US" smtClean="0"/>
               <a:pPr/>
-              <a:t>2015/4/20</a:t>
+              <a:t>2015/4/24</a:t>
             </a:fld>
             <a:endParaRPr lang="zh-CN" altLang="en-US"/>
           </a:p>
@@ -1238,7 +1241,7 @@
             <a:fld id="{530820CF-B880-4189-942D-D702A7CBA730}" type="datetimeFigureOut">
               <a:rPr lang="zh-CN" altLang="en-US" smtClean="0"/>
               <a:pPr/>
-              <a:t>2015/4/20</a:t>
+              <a:t>2015/4/24</a:t>
             </a:fld>
             <a:endParaRPr lang="zh-CN" altLang="en-US"/>
           </a:p>
@@ -1481,7 +1484,7 @@
             <a:fld id="{530820CF-B880-4189-942D-D702A7CBA730}" type="datetimeFigureOut">
               <a:rPr lang="zh-CN" altLang="en-US" smtClean="0"/>
               <a:pPr/>
-              <a:t>2015/4/20</a:t>
+              <a:t>2015/4/24</a:t>
             </a:fld>
             <a:endParaRPr lang="zh-CN" altLang="en-US"/>
           </a:p>
@@ -1766,7 +1769,7 @@
             <a:fld id="{530820CF-B880-4189-942D-D702A7CBA730}" type="datetimeFigureOut">
               <a:rPr lang="zh-CN" altLang="en-US" smtClean="0"/>
               <a:pPr/>
-              <a:t>2015/4/20</a:t>
+              <a:t>2015/4/24</a:t>
             </a:fld>
             <a:endParaRPr lang="zh-CN" altLang="en-US"/>
           </a:p>
@@ -2185,7 +2188,7 @@
             <a:fld id="{530820CF-B880-4189-942D-D702A7CBA730}" type="datetimeFigureOut">
               <a:rPr lang="zh-CN" altLang="en-US" smtClean="0"/>
               <a:pPr/>
-              <a:t>2015/4/20</a:t>
+              <a:t>2015/4/24</a:t>
             </a:fld>
             <a:endParaRPr lang="zh-CN" altLang="en-US"/>
           </a:p>
@@ -2300,7 +2303,7 @@
             <a:fld id="{530820CF-B880-4189-942D-D702A7CBA730}" type="datetimeFigureOut">
               <a:rPr lang="zh-CN" altLang="en-US" smtClean="0"/>
               <a:pPr/>
-              <a:t>2015/4/20</a:t>
+              <a:t>2015/4/24</a:t>
             </a:fld>
             <a:endParaRPr lang="zh-CN" altLang="en-US"/>
           </a:p>
@@ -2392,7 +2395,7 @@
             <a:fld id="{530820CF-B880-4189-942D-D702A7CBA730}" type="datetimeFigureOut">
               <a:rPr lang="zh-CN" altLang="en-US" smtClean="0"/>
               <a:pPr/>
-              <a:t>2015/4/20</a:t>
+              <a:t>2015/4/24</a:t>
             </a:fld>
             <a:endParaRPr lang="zh-CN" altLang="en-US"/>
           </a:p>
@@ -2666,7 +2669,7 @@
             <a:fld id="{530820CF-B880-4189-942D-D702A7CBA730}" type="datetimeFigureOut">
               <a:rPr lang="zh-CN" altLang="en-US" smtClean="0"/>
               <a:pPr/>
-              <a:t>2015/4/20</a:t>
+              <a:t>2015/4/24</a:t>
             </a:fld>
             <a:endParaRPr lang="zh-CN" altLang="en-US"/>
           </a:p>
@@ -2916,7 +2919,7 @@
             <a:fld id="{530820CF-B880-4189-942D-D702A7CBA730}" type="datetimeFigureOut">
               <a:rPr lang="zh-CN" altLang="en-US" smtClean="0"/>
               <a:pPr/>
-              <a:t>2015/4/20</a:t>
+              <a:t>2015/4/24</a:t>
             </a:fld>
             <a:endParaRPr lang="zh-CN" altLang="en-US"/>
           </a:p>
@@ -3126,7 +3129,7 @@
             <a:fld id="{530820CF-B880-4189-942D-D702A7CBA730}" type="datetimeFigureOut">
               <a:rPr lang="zh-CN" altLang="en-US" smtClean="0"/>
               <a:pPr/>
-              <a:t>2015/4/20</a:t>
+              <a:t>2015/4/24</a:t>
             </a:fld>
             <a:endParaRPr lang="zh-CN" altLang="en-US"/>
           </a:p>
@@ -3588,11 +3591,7 @@
           <a:p>
             <a:r>
               <a:rPr lang="zh-CN" altLang="en-US" dirty="0" smtClean="0"/>
-              <a:t>一</a:t>
-            </a:r>
-            <a:r>
-              <a:rPr lang="zh-CN" altLang="en-US" dirty="0" smtClean="0"/>
-              <a:t>个招聘贴</a:t>
+              <a:t>一个招聘贴</a:t>
             </a:r>
             <a:endParaRPr lang="zh-CN" altLang="en-US" dirty="0"/>
           </a:p>
@@ -4649,16 +4648,129 @@
             <a:pPr lvl="1"/>
             <a:r>
               <a:rPr lang="zh-CN" altLang="en-US" dirty="0" smtClean="0"/>
-              <a:t>注</a:t>
-            </a:r>
-            <a:r>
-              <a:rPr lang="zh-CN" altLang="en-US" dirty="0" smtClean="0"/>
-              <a:t>意代码规范</a:t>
+              <a:t>注意代码规范</a:t>
             </a:r>
             <a:endParaRPr lang="en-US" altLang="zh-CN" dirty="0" smtClean="0"/>
           </a:p>
         </p:txBody>
       </p:sp>
+    </p:spTree>
+  </p:cSld>
+  <p:clrMapOvr>
+    <a:masterClrMapping/>
+  </p:clrMapOvr>
+  <p:timing>
+    <p:tnLst>
+      <p:par>
+        <p:cTn id="1" dur="indefinite" restart="never" nodeType="tmRoot"/>
+      </p:par>
+    </p:tnLst>
+  </p:timing>
+</p:sld>
+</file>
+
+<file path=ppt/slides/slide8.xml><?xml version="1.0" encoding="utf-8"?>
+<p:sld xmlns:a="http://schemas.openxmlformats.org/drawingml/2006/main" xmlns:r="http://schemas.openxmlformats.org/officeDocument/2006/relationships" xmlns:p="http://schemas.openxmlformats.org/presentationml/2006/main">
+  <p:cSld>
+    <p:spTree>
+      <p:nvGrpSpPr>
+        <p:cNvPr id="1" name=""/>
+        <p:cNvGrpSpPr/>
+        <p:nvPr/>
+      </p:nvGrpSpPr>
+      <p:grpSpPr>
+        <a:xfrm>
+          <a:off x="0" y="0"/>
+          <a:ext cx="0" cy="0"/>
+          <a:chOff x="0" y="0"/>
+          <a:chExt cx="0" cy="0"/>
+        </a:xfrm>
+      </p:grpSpPr>
+      <p:sp>
+        <p:nvSpPr>
+          <p:cNvPr id="2" name="标题 1"/>
+          <p:cNvSpPr>
+            <a:spLocks noGrp="1"/>
+          </p:cNvSpPr>
+          <p:nvPr>
+            <p:ph type="title"/>
+          </p:nvPr>
+        </p:nvSpPr>
+        <p:spPr/>
+        <p:txBody>
+          <a:bodyPr/>
+          <a:lstStyle/>
+          <a:p>
+            <a:endParaRPr lang="zh-CN" altLang="en-US" dirty="0"/>
+          </a:p>
+        </p:txBody>
+      </p:sp>
+      <p:sp>
+        <p:nvSpPr>
+          <p:cNvPr id="3" name="内容占位符 2"/>
+          <p:cNvSpPr>
+            <a:spLocks noGrp="1"/>
+          </p:cNvSpPr>
+          <p:nvPr>
+            <p:ph idx="1"/>
+          </p:nvPr>
+        </p:nvSpPr>
+        <p:spPr/>
+        <p:txBody>
+          <a:bodyPr/>
+          <a:lstStyle/>
+          <a:p>
+            <a:r>
+              <a:rPr lang="zh-CN" altLang="en-US" dirty="0" smtClean="0"/>
+              <a:t>定义：输出九九乘法表</a:t>
+            </a:r>
+            <a:endParaRPr lang="en-US" altLang="zh-CN" dirty="0" smtClean="0"/>
+          </a:p>
+          <a:p>
+            <a:r>
+              <a:rPr lang="zh-CN" altLang="en-US" dirty="0" smtClean="0"/>
+              <a:t>输入：无</a:t>
+            </a:r>
+            <a:endParaRPr lang="en-US" altLang="zh-CN" dirty="0" smtClean="0"/>
+          </a:p>
+          <a:p>
+            <a:r>
+              <a:rPr lang="zh-CN" altLang="en-US" dirty="0" smtClean="0"/>
+              <a:t>输出：九九乘法表，即</a:t>
+            </a:r>
+            <a:endParaRPr lang="en-US" altLang="zh-CN" dirty="0" smtClean="0"/>
+          </a:p>
+          <a:p>
+            <a:endParaRPr lang="en-US" altLang="zh-CN" dirty="0" smtClean="0"/>
+          </a:p>
+        </p:txBody>
+      </p:sp>
+      <p:pic>
+        <p:nvPicPr>
+          <p:cNvPr id="1026" name="Picture 2" descr="C:\Users\Administrator\Desktop\a8ec8a13632762d0f70bbd9ca0ec08fa513dc6df.jpg"/>
+          <p:cNvPicPr>
+            <a:picLocks noChangeAspect="1" noChangeArrowheads="1"/>
+          </p:cNvPicPr>
+          <p:nvPr/>
+        </p:nvPicPr>
+        <p:blipFill>
+          <a:blip r:embed="rId2" cstate="print"/>
+          <a:srcRect/>
+          <a:stretch>
+            <a:fillRect/>
+          </a:stretch>
+        </p:blipFill>
+        <p:spPr bwMode="auto">
+          <a:xfrm>
+            <a:off x="971600" y="3429000"/>
+            <a:ext cx="7140856" cy="2664296"/>
+          </a:xfrm>
+          <a:prstGeom prst="rect">
+            <a:avLst/>
+          </a:prstGeom>
+          <a:noFill/>
+        </p:spPr>
+      </p:pic>
     </p:spTree>
   </p:cSld>
   <p:clrMapOvr>
